--- a/tesla_strategy_presentation_20250908_190316.pptx
+++ b/tesla_strategy_presentation_20250908_190316.pptx
@@ -3214,22 +3214,30 @@
             <p:ph idx="1"/>
           </p:nvPr>
         </p:nvSpPr>
-        <p:spPr/>
-        <p:txBody>
-          <a:bodyPr/>
-          <a:lstStyle/>
-          <a:p>
-            <a:pPr>
-              <a:spcBef>
-                <a:spcPts val="700"/>
-              </a:spcBef>
-              <a:defRPr sz="2000">
-                <a:solidFill>
-                  <a:srgbClr val="111827"/>
-                </a:solidFill>
-              </a:defRPr>
-            </a:pPr>
-            <a:r>
+        <p:spPr>
+          <a:xfrm>
+            <a:off x="457200" y="1444676"/>
+            <a:ext cx="8229600" cy="4525963"/>
+          </a:xfrm>
+        </p:spPr>
+        <p:txBody>
+          <a:bodyPr>
+            <a:normAutofit fontScale="92500" lnSpcReduction="20000"/>
+          </a:bodyPr>
+          <a:lstStyle/>
+          <a:p>
+            <a:pPr>
+              <a:spcBef>
+                <a:spcPts val="700"/>
+              </a:spcBef>
+              <a:defRPr sz="2000">
+                <a:solidFill>
+                  <a:srgbClr val="111827"/>
+                </a:solidFill>
+              </a:defRPr>
+            </a:pPr>
+            <a:r>
+              <a:rPr dirty="0"/>
               <a:t>Strengths:</a:t>
             </a:r>
           </a:p>
@@ -3245,6 +3253,7 @@
               </a:defRPr>
             </a:pPr>
             <a:r>
+              <a:rPr dirty="0"/>
               <a:t>• Global EV market leadership with 2M+ annual production capacity</a:t>
             </a:r>
           </a:p>
@@ -3260,6 +3269,7 @@
               </a:defRPr>
             </a:pPr>
             <a:r>
+              <a:rPr dirty="0"/>
               <a:t>• Vertically integrated ecosystem (vehicles, energy, charging network)</a:t>
             </a:r>
           </a:p>
@@ -3275,6 +3285,7 @@
               </a:defRPr>
             </a:pPr>
             <a:r>
+              <a:rPr dirty="0"/>
               <a:t>• Advanced technology maturity with neural network capabilities</a:t>
             </a:r>
           </a:p>
@@ -3290,6 +3301,7 @@
               </a:defRPr>
             </a:pPr>
             <a:r>
+              <a:rPr dirty="0"/>
               <a:t>• World's largest connected vehicle fleet generating real-world data</a:t>
             </a:r>
           </a:p>
@@ -3305,6 +3317,7 @@
               </a:defRPr>
             </a:pPr>
             <a:r>
+              <a:rPr dirty="0"/>
               <a:t>• Strong digital infrastructure and OTA update capabilities</a:t>
             </a:r>
           </a:p>
@@ -3319,20 +3332,21 @@
                 </a:solidFill>
               </a:defRPr>
             </a:pPr>
-            <a:endParaRPr/>
-          </a:p>
-          <a:p>
-            <a:pPr>
-              <a:spcBef>
-                <a:spcPts val="700"/>
-              </a:spcBef>
-              <a:defRPr sz="2000">
-                <a:solidFill>
-                  <a:srgbClr val="111827"/>
-                </a:solidFill>
-              </a:defRPr>
-            </a:pPr>
-            <a:r>
+            <a:endParaRPr dirty="0"/>
+          </a:p>
+          <a:p>
+            <a:pPr>
+              <a:spcBef>
+                <a:spcPts val="700"/>
+              </a:spcBef>
+              <a:defRPr sz="2000">
+                <a:solidFill>
+                  <a:srgbClr val="111827"/>
+                </a:solidFill>
+              </a:defRPr>
+            </a:pPr>
+            <a:r>
+              <a:rPr dirty="0"/>
               <a:t>Challenges:</a:t>
             </a:r>
           </a:p>
@@ -3348,6 +3362,7 @@
               </a:defRPr>
             </a:pPr>
             <a:r>
+              <a:rPr dirty="0"/>
               <a:t>• Intensifying competition from traditional automakers and new EV entrants</a:t>
             </a:r>
           </a:p>
@@ -3363,6 +3378,7 @@
               </a:defRPr>
             </a:pPr>
             <a:r>
+              <a:rPr dirty="0"/>
               <a:t>• Supply chain volatility in batteries and semiconductors</a:t>
             </a:r>
           </a:p>
@@ -3378,6 +3394,7 @@
               </a:defRPr>
             </a:pPr>
             <a:r>
+              <a:rPr dirty="0"/>
               <a:t>• Scaling manufacturing operations across global Gigafactories</a:t>
             </a:r>
           </a:p>
@@ -3393,6 +3410,7 @@
               </a:defRPr>
             </a:pPr>
             <a:r>
+              <a:rPr dirty="0"/>
               <a:t>• Accelerating autonomous driving development timelines</a:t>
             </a:r>
           </a:p>
@@ -3408,6 +3426,7 @@
               </a:defRPr>
             </a:pPr>
             <a:r>
+              <a:rPr dirty="0"/>
               <a:t>• Cross-functional data integration and advanced analytics gaps</a:t>
             </a:r>
           </a:p>
@@ -3422,7 +3441,7 @@
                 </a:solidFill>
               </a:defRPr>
             </a:pPr>
-            <a:endParaRPr/>
+            <a:endParaRPr dirty="0"/>
           </a:p>
         </p:txBody>
       </p:sp>
@@ -3690,6 +3709,7 @@
               </a:defRPr>
             </a:pPr>
             <a:r>
+              <a:rPr dirty="0"/>
               <a:t>• Manufacturing &amp; Operations: Intelligent Manufacturing Operations, Dynamic Resource Optimization, Supply Chain Automation (30-60% cost reductions)</a:t>
             </a:r>
           </a:p>
@@ -3705,6 +3725,7 @@
               </a:defRPr>
             </a:pPr>
             <a:r>
+              <a:rPr dirty="0"/>
               <a:t>• Innovation &amp; Technology: Autonomous Driving Acceleration, Digital Platform Modernization, Cybersecurity Framework (40% faster development cycles)</a:t>
             </a:r>
           </a:p>
@@ -3720,6 +3741,7 @@
               </a:defRPr>
             </a:pPr>
             <a:r>
+              <a:rPr dirty="0"/>
               <a:t>• Growth &amp; Market: Global Expansion Platform, Market Intelligence Analytics, Fleet Analytics (60% faster market entry)</a:t>
             </a:r>
           </a:p>
@@ -3735,6 +3757,7 @@
               </a:defRPr>
             </a:pPr>
             <a:r>
+              <a:rPr dirty="0"/>
               <a:t>• Customer &amp; Experience: Unified Customer Experience Platform (25% satisfaction improvement, 18% service adoption increase)</a:t>
             </a:r>
           </a:p>
@@ -3749,20 +3772,21 @@
                 </a:solidFill>
               </a:defRPr>
             </a:pPr>
-            <a:endParaRPr/>
-          </a:p>
-          <a:p>
-            <a:pPr>
-              <a:spcBef>
-                <a:spcPts val="700"/>
-              </a:spcBef>
-              <a:defRPr sz="2000">
-                <a:solidFill>
-                  <a:srgbClr val="111827"/>
-                </a:solidFill>
-              </a:defRPr>
-            </a:pPr>
-            <a:r>
+            <a:endParaRPr dirty="0"/>
+          </a:p>
+          <a:p>
+            <a:pPr>
+              <a:spcBef>
+                <a:spcPts val="700"/>
+              </a:spcBef>
+              <a:defRPr sz="2000">
+                <a:solidFill>
+                  <a:srgbClr val="111827"/>
+                </a:solidFill>
+              </a:defRPr>
+            </a:pPr>
+            <a:r>
+              <a:rPr dirty="0"/>
               <a:t>Prioritization: Portfolio delivers 400-600% ROI within 24 months, with synergistic benefits across Tesla's vertically integrated business model</a:t>
             </a:r>
           </a:p>
